--- a/courses/MB215/WebDesignSpecificationByExample.pptx
+++ b/courses/MB215/WebDesignSpecificationByExample.pptx
@@ -206,7 +206,7 @@
           <a:p>
             <a:fld id="{8BE03479-4A5D-F249-AC96-7F9FD59F4393}" type="datetimeFigureOut">
               <a:rPr lang="en-US" smtClean="0"/>
-              <a:t>1/13/2014</a:t>
+              <a:t>2016-03-02</a:t>
             </a:fld>
             <a:endParaRPr lang="en-US"/>
           </a:p>
@@ -520,20 +520,15 @@
           <a:p>
             <a:r>
               <a:rPr lang="en-US" dirty="0" smtClean="0"/>
-              <a:t>Hi I am Rich Hildred:</a:t>
-            </a:r>
-          </a:p>
-          <a:p>
-            <a:endParaRPr lang="en-US" dirty="0" smtClean="0"/>
-          </a:p>
-          <a:p>
-            <a:r>
-              <a:rPr lang="en-US" dirty="0" smtClean="0"/>
-              <a:t>My story will evolve as we talk about</a:t>
+              <a:t>How do we work together as a team? </a:t>
             </a:r>
             <a:r>
               <a:rPr lang="en-US" baseline="0" dirty="0" smtClean="0"/>
-              <a:t> this important pattern for team learning, but for now I will say that I am an instructor of Web Development at Conestoga College and that I am finishing my MBA this summer.</a:t>
+              <a:t>This is the story of how I worked together as a team with several of my customers </a:t>
+            </a:r>
+            <a:r>
+              <a:rPr lang="en-US" baseline="0" smtClean="0"/>
+              <a:t>in industry.</a:t>
             </a:r>
             <a:endParaRPr lang="en-US" dirty="0"/>
           </a:p>
@@ -3402,7 +3397,7 @@
             <a:fld id="{04AF466F-BDA4-4F18-9C7B-FF0A9A1B0E80}" type="datetime1">
               <a:rPr lang="en-US" smtClean="0"/>
               <a:pPr/>
-              <a:t>1/13/2014</a:t>
+              <a:t>2016-03-02</a:t>
             </a:fld>
             <a:endParaRPr lang="en-US"/>
           </a:p>
@@ -3569,7 +3564,7 @@
             <a:fld id="{58FB4290-6522-4139-852E-05BD9E7F0D2E}" type="datetime1">
               <a:rPr lang="en-US" smtClean="0"/>
               <a:pPr/>
-              <a:t>1/13/2014</a:t>
+              <a:t>2016-03-02</a:t>
             </a:fld>
             <a:endParaRPr lang="en-US"/>
           </a:p>
@@ -3746,7 +3741,7 @@
             <a:fld id="{AAB955F9-81EA-47C5-8059-9E5C2B437C70}" type="datetime1">
               <a:rPr lang="en-US" smtClean="0"/>
               <a:pPr/>
-              <a:t>1/13/2014</a:t>
+              <a:t>2016-03-02</a:t>
             </a:fld>
             <a:endParaRPr lang="en-US"/>
           </a:p>
@@ -3913,7 +3908,7 @@
             <a:fld id="{1CEF607B-A47E-422C-9BEF-122CCDB7C526}" type="datetime1">
               <a:rPr lang="en-US" smtClean="0"/>
               <a:pPr/>
-              <a:t>1/13/2014</a:t>
+              <a:t>2016-03-02</a:t>
             </a:fld>
             <a:endParaRPr lang="en-US"/>
           </a:p>
@@ -4156,7 +4151,7 @@
             <a:fld id="{63A9A7CB-BEE6-4F99-898E-913F06E8E125}" type="datetime1">
               <a:rPr lang="en-US" smtClean="0"/>
               <a:pPr/>
-              <a:t>1/13/2014</a:t>
+              <a:t>2016-03-02</a:t>
             </a:fld>
             <a:endParaRPr lang="en-US"/>
           </a:p>
@@ -4441,7 +4436,7 @@
             <a:fld id="{B6EE300C-6FC5-4FC3-AF1A-075E4F50620D}" type="datetime1">
               <a:rPr lang="en-US" smtClean="0"/>
               <a:pPr/>
-              <a:t>1/13/2014</a:t>
+              <a:t>2016-03-02</a:t>
             </a:fld>
             <a:endParaRPr lang="en-US"/>
           </a:p>
@@ -4872,7 +4867,7 @@
             <a:fld id="{F50D295D-4A77-4DEB-B04C-9F4282A8BC04}" type="datetime1">
               <a:rPr lang="en-US" smtClean="0"/>
               <a:pPr/>
-              <a:t>1/13/2014</a:t>
+              <a:t>2016-03-02</a:t>
             </a:fld>
             <a:endParaRPr lang="en-US"/>
           </a:p>
@@ -4987,7 +4982,7 @@
             <a:fld id="{02B28685-4D0C-42D5-8013-B5904CD1FCBC}" type="datetime1">
               <a:rPr lang="en-US" smtClean="0"/>
               <a:pPr/>
-              <a:t>1/13/2014</a:t>
+              <a:t>2016-03-02</a:t>
             </a:fld>
             <a:endParaRPr lang="en-US"/>
           </a:p>
@@ -5079,7 +5074,7 @@
             <a:fld id="{FDF226C0-9885-4BA9-BBFA-A52CBFEBB775}" type="datetime1">
               <a:rPr lang="en-US" smtClean="0"/>
               <a:pPr/>
-              <a:t>1/13/2014</a:t>
+              <a:t>2016-03-02</a:t>
             </a:fld>
             <a:endParaRPr lang="en-US"/>
           </a:p>
@@ -5270,7 +5265,7 @@
             <a:fld id="{EBEE1B38-C5EB-4D66-9137-0AFE9CDEDE8F}" type="datetime1">
               <a:rPr lang="en-US" smtClean="0"/>
               <a:pPr/>
-              <a:t>1/13/2014</a:t>
+              <a:t>2016-03-02</a:t>
             </a:fld>
             <a:endParaRPr lang="en-US"/>
           </a:p>
@@ -5590,7 +5585,7 @@
             <a:fld id="{327B613C-1AD7-49D3-885D-F654C5CDBAA6}" type="datetime1">
               <a:rPr lang="en-US" smtClean="0"/>
               <a:pPr/>
-              <a:t>1/13/2014</a:t>
+              <a:t>2016-03-02</a:t>
             </a:fld>
             <a:endParaRPr lang="en-US" dirty="0"/>
           </a:p>
@@ -5972,7 +5967,7 @@
             <a:fld id="{327B613C-1AD7-49D3-885D-F654C5CDBAA6}" type="datetime1">
               <a:rPr lang="en-US" smtClean="0"/>
               <a:pPr/>
-              <a:t>1/13/2014</a:t>
+              <a:t>2016-03-02</a:t>
             </a:fld>
             <a:endParaRPr lang="en-US" dirty="0"/>
           </a:p>
@@ -6345,12 +6340,12 @@
               <a:t>– Rich Hildred </a:t>
             </a:r>
             <a:r>
-              <a:rPr lang="en-US"/>
+              <a:rPr lang="en-US" dirty="0"/>
               <a:t>for </a:t>
             </a:r>
             <a:r>
-              <a:rPr lang="en-US" smtClean="0"/>
-              <a:t>PROG3030</a:t>
+              <a:rPr lang="en-US" dirty="0" smtClean="0"/>
+              <a:t>MB215</a:t>
             </a:r>
             <a:endParaRPr lang="en-US" dirty="0"/>
           </a:p>
@@ -6369,7 +6364,7 @@
   <p:timing>
     <p:tnLst>
       <p:par>
-        <p:cTn id="1" dur="indefinite" restart="never" nodeType="tmRoot"/>
+        <p:cTn xmlns:p14="http://schemas.microsoft.com/office/powerpoint/2010/main" id="1" dur="indefinite" restart="never" nodeType="tmRoot"/>
       </p:par>
     </p:tnLst>
   </p:timing>
@@ -6452,7 +6447,7 @@
   <p:timing>
     <p:tnLst>
       <p:par>
-        <p:cTn id="1" dur="indefinite" restart="never" nodeType="tmRoot"/>
+        <p:cTn xmlns:p14="http://schemas.microsoft.com/office/powerpoint/2010/main" id="1" dur="indefinite" restart="never" nodeType="tmRoot"/>
       </p:par>
     </p:tnLst>
   </p:timing>
@@ -6535,7 +6530,7 @@
   <p:timing>
     <p:tnLst>
       <p:par>
-        <p:cTn id="1" dur="indefinite" restart="never" nodeType="tmRoot"/>
+        <p:cTn xmlns:p14="http://schemas.microsoft.com/office/powerpoint/2010/main" id="1" dur="indefinite" restart="never" nodeType="tmRoot"/>
       </p:par>
     </p:tnLst>
   </p:timing>
@@ -6618,7 +6613,7 @@
   <p:timing>
     <p:tnLst>
       <p:par>
-        <p:cTn id="1" dur="indefinite" restart="never" nodeType="tmRoot"/>
+        <p:cTn xmlns:p14="http://schemas.microsoft.com/office/powerpoint/2010/main" id="1" dur="indefinite" restart="never" nodeType="tmRoot"/>
       </p:par>
     </p:tnLst>
   </p:timing>
@@ -6715,7 +6710,7 @@
   <p:timing>
     <p:tnLst>
       <p:par>
-        <p:cTn id="1" dur="indefinite" restart="never" nodeType="tmRoot"/>
+        <p:cTn xmlns:p14="http://schemas.microsoft.com/office/powerpoint/2010/main" id="1" dur="indefinite" restart="never" nodeType="tmRoot"/>
       </p:par>
     </p:tnLst>
   </p:timing>
@@ -6806,7 +6801,7 @@
   <p:timing>
     <p:tnLst>
       <p:par>
-        <p:cTn id="1" dur="indefinite" restart="never" nodeType="tmRoot"/>
+        <p:cTn xmlns:p14="http://schemas.microsoft.com/office/powerpoint/2010/main" id="1" dur="indefinite" restart="never" nodeType="tmRoot"/>
       </p:par>
     </p:tnLst>
   </p:timing>
@@ -6890,7 +6885,7 @@
   <p:timing>
     <p:tnLst>
       <p:par>
-        <p:cTn id="1" dur="indefinite" restart="never" nodeType="tmRoot"/>
+        <p:cTn xmlns:p14="http://schemas.microsoft.com/office/powerpoint/2010/main" id="1" dur="indefinite" restart="never" nodeType="tmRoot"/>
       </p:par>
     </p:tnLst>
   </p:timing>
@@ -6981,7 +6976,7 @@
   <p:timing>
     <p:tnLst>
       <p:par>
-        <p:cTn id="1" dur="indefinite" restart="never" nodeType="tmRoot"/>
+        <p:cTn xmlns:p14="http://schemas.microsoft.com/office/powerpoint/2010/main" id="1" dur="indefinite" restart="never" nodeType="tmRoot"/>
       </p:par>
     </p:tnLst>
   </p:timing>
@@ -7075,7 +7070,7 @@
   <p:timing>
     <p:tnLst>
       <p:par>
-        <p:cTn id="1" dur="indefinite" restart="never" nodeType="tmRoot"/>
+        <p:cTn xmlns:p14="http://schemas.microsoft.com/office/powerpoint/2010/main" id="1" dur="indefinite" restart="never" nodeType="tmRoot"/>
       </p:par>
     </p:tnLst>
   </p:timing>
@@ -7163,7 +7158,7 @@
   <p:timing>
     <p:tnLst>
       <p:par>
-        <p:cTn id="1" dur="indefinite" restart="never" nodeType="tmRoot"/>
+        <p:cTn xmlns:p14="http://schemas.microsoft.com/office/powerpoint/2010/main" id="1" dur="indefinite" restart="never" nodeType="tmRoot"/>
       </p:par>
     </p:tnLst>
   </p:timing>
@@ -7258,7 +7253,7 @@
   <p:timing>
     <p:tnLst>
       <p:par>
-        <p:cTn id="1" dur="indefinite" restart="never" nodeType="tmRoot"/>
+        <p:cTn xmlns:p14="http://schemas.microsoft.com/office/powerpoint/2010/main" id="1" dur="indefinite" restart="never" nodeType="tmRoot"/>
       </p:par>
     </p:tnLst>
   </p:timing>
@@ -7346,7 +7341,7 @@
   <p:timing>
     <p:tnLst>
       <p:par>
-        <p:cTn id="1" dur="indefinite" restart="never" nodeType="tmRoot"/>
+        <p:cTn xmlns:p14="http://schemas.microsoft.com/office/powerpoint/2010/main" id="1" dur="indefinite" restart="never" nodeType="tmRoot"/>
       </p:par>
     </p:tnLst>
   </p:timing>
@@ -7430,7 +7425,7 @@
   <p:timing>
     <p:tnLst>
       <p:par>
-        <p:cTn id="1" dur="indefinite" restart="never" nodeType="tmRoot"/>
+        <p:cTn xmlns:p14="http://schemas.microsoft.com/office/powerpoint/2010/main" id="1" dur="indefinite" restart="never" nodeType="tmRoot"/>
       </p:par>
     </p:tnLst>
   </p:timing>
@@ -7513,7 +7508,7 @@
   <p:timing>
     <p:tnLst>
       <p:par>
-        <p:cTn id="1" dur="indefinite" restart="never" nodeType="tmRoot"/>
+        <p:cTn xmlns:p14="http://schemas.microsoft.com/office/powerpoint/2010/main" id="1" dur="indefinite" restart="never" nodeType="tmRoot"/>
       </p:par>
     </p:tnLst>
   </p:timing>
@@ -7596,7 +7591,7 @@
   <p:timing>
     <p:tnLst>
       <p:par>
-        <p:cTn id="1" dur="indefinite" restart="never" nodeType="tmRoot"/>
+        <p:cTn xmlns:p14="http://schemas.microsoft.com/office/powerpoint/2010/main" id="1" dur="indefinite" restart="never" nodeType="tmRoot"/>
       </p:par>
     </p:tnLst>
   </p:timing>
